--- a/how-it-works.pptx
+++ b/how-it-works.pptx
@@ -6,6 +6,7 @@
   </p:sldMasterIdLst>
   <p:sldIdLst>
     <p:sldId id="256" r:id="rId2"/>
+    <p:sldId id="257" r:id="rId3"/>
   </p:sldIdLst>
   <p:sldSz cx="12192000" cy="6858000"/>
   <p:notesSz cx="6858000" cy="9144000"/>
@@ -3801,12 +3802,8 @@
           <a:lstStyle/>
           <a:p>
             <a:r>
-              <a:rPr lang="en-US" dirty="0" err="1"/>
-              <a:t>Nanopi</a:t>
-            </a:r>
-            <a:r>
               <a:rPr lang="en-US" dirty="0"/>
-              <a:t> </a:t>
+              <a:t>Nanopi </a:t>
             </a:r>
             <a:r>
               <a:rPr lang="en-US" dirty="0">
@@ -3853,12 +3850,8 @@
           <a:lstStyle/>
           <a:p>
             <a:r>
-              <a:rPr lang="en-US" dirty="0" err="1"/>
-              <a:t>Nanopi</a:t>
-            </a:r>
-            <a:r>
               <a:rPr lang="en-US" dirty="0"/>
-              <a:t> </a:t>
+              <a:t>Nanopi </a:t>
             </a:r>
             <a:r>
               <a:rPr lang="en-US" dirty="0">
@@ -4077,7 +4070,7 @@
           <a:lstStyle/>
           <a:p>
             <a:r>
-              <a:rPr lang="en-US" b="1" dirty="0" err="1">
+              <a:rPr lang="en-US" b="1" dirty="0">
                 <a:solidFill>
                   <a:srgbClr val="FF0000"/>
                 </a:solidFill>
@@ -6015,6 +6008,1072 @@
 </p:sld>
 </file>
 
+<file path=ppt/slides/slide2.xml><?xml version="1.0" encoding="utf-8"?>
+<p:sld xmlns:a="http://schemas.openxmlformats.org/drawingml/2006/main" xmlns:r="http://schemas.openxmlformats.org/officeDocument/2006/relationships" xmlns:p="http://schemas.openxmlformats.org/presentationml/2006/main">
+  <p:cSld>
+    <p:spTree>
+      <p:nvGrpSpPr>
+        <p:cNvPr id="1" name=""/>
+        <p:cNvGrpSpPr/>
+        <p:nvPr/>
+      </p:nvGrpSpPr>
+      <p:grpSpPr>
+        <a:xfrm>
+          <a:off x="0" y="0"/>
+          <a:ext cx="0" cy="0"/>
+          <a:chOff x="0" y="0"/>
+          <a:chExt cx="0" cy="0"/>
+        </a:xfrm>
+      </p:grpSpPr>
+      <p:pic>
+        <p:nvPicPr>
+          <p:cNvPr id="5" name="תמונה 4" descr="תמונה שמכילה רכיב מעגל חשמלי, הנדסת חשמל, רכיב מעגל פסיבי, חשמל&#10;&#10;התיאור נוצר באופן אוטומטי">
+            <a:extLst>
+              <a:ext uri="{FF2B5EF4-FFF2-40B4-BE49-F238E27FC236}">
+                <a16:creationId xmlns:a16="http://schemas.microsoft.com/office/drawing/2014/main" id="{E55BF9C3-C08B-B4B4-C06F-D640A5FAA01E}"/>
+              </a:ext>
+            </a:extLst>
+          </p:cNvPr>
+          <p:cNvPicPr>
+            <a:picLocks noChangeAspect="1"/>
+          </p:cNvPicPr>
+          <p:nvPr/>
+        </p:nvPicPr>
+        <p:blipFill>
+          <a:blip r:embed="rId2">
+            <a:extLst>
+              <a:ext uri="{28A0092B-C50C-407E-A947-70E740481C1C}">
+                <a14:useLocalDpi xmlns:a14="http://schemas.microsoft.com/office/drawing/2010/main" val="0"/>
+              </a:ext>
+            </a:extLst>
+          </a:blip>
+          <a:stretch>
+            <a:fillRect/>
+          </a:stretch>
+        </p:blipFill>
+        <p:spPr>
+          <a:xfrm rot="5400000">
+            <a:off x="1036494" y="2037328"/>
+            <a:ext cx="2860944" cy="2484783"/>
+          </a:xfrm>
+          <a:prstGeom prst="rect">
+            <a:avLst/>
+          </a:prstGeom>
+        </p:spPr>
+      </p:pic>
+      <p:pic>
+        <p:nvPicPr>
+          <p:cNvPr id="6" name="Picture 2" descr="HTCC-AB02S(Class C OTAA) | Device Repository for LoRaWAN">
+            <a:extLst>
+              <a:ext uri="{FF2B5EF4-FFF2-40B4-BE49-F238E27FC236}">
+                <a16:creationId xmlns:a16="http://schemas.microsoft.com/office/drawing/2014/main" id="{E5644DE7-9DF2-130B-730E-A54979B6B7D8}"/>
+              </a:ext>
+            </a:extLst>
+          </p:cNvPr>
+          <p:cNvPicPr>
+            <a:picLocks noChangeAspect="1" noChangeArrowheads="1"/>
+          </p:cNvPicPr>
+          <p:nvPr/>
+        </p:nvPicPr>
+        <p:blipFill>
+          <a:blip r:embed="rId3">
+            <a:extLst>
+              <a:ext uri="{28A0092B-C50C-407E-A947-70E740481C1C}">
+                <a14:useLocalDpi xmlns:a14="http://schemas.microsoft.com/office/drawing/2010/main" val="0"/>
+              </a:ext>
+            </a:extLst>
+          </a:blip>
+          <a:srcRect/>
+          <a:stretch>
+            <a:fillRect/>
+          </a:stretch>
+        </p:blipFill>
+        <p:spPr bwMode="auto">
+          <a:xfrm>
+            <a:off x="6096000" y="3150954"/>
+            <a:ext cx="4154054" cy="4154054"/>
+          </a:xfrm>
+          <a:prstGeom prst="rect">
+            <a:avLst/>
+          </a:prstGeom>
+          <a:noFill/>
+          <a:extLst>
+            <a:ext uri="{909E8E84-426E-40DD-AFC4-6F175D3DCCD1}">
+              <a14:hiddenFill xmlns:a14="http://schemas.microsoft.com/office/drawing/2010/main">
+                <a:solidFill>
+                  <a:srgbClr val="FFFFFF"/>
+                </a:solidFill>
+              </a14:hiddenFill>
+            </a:ext>
+          </a:extLst>
+        </p:spPr>
+      </p:pic>
+      <p:pic>
+        <p:nvPicPr>
+          <p:cNvPr id="7" name="תמונה 6">
+            <a:extLst>
+              <a:ext uri="{FF2B5EF4-FFF2-40B4-BE49-F238E27FC236}">
+                <a16:creationId xmlns:a16="http://schemas.microsoft.com/office/drawing/2014/main" id="{04B6D005-BB1D-C414-8860-73EFFC68B20D}"/>
+              </a:ext>
+            </a:extLst>
+          </p:cNvPr>
+          <p:cNvPicPr>
+            <a:picLocks noChangeAspect="1"/>
+          </p:cNvPicPr>
+          <p:nvPr/>
+        </p:nvPicPr>
+        <p:blipFill>
+          <a:blip r:embed="rId4"/>
+          <a:stretch>
+            <a:fillRect/>
+          </a:stretch>
+        </p:blipFill>
+        <p:spPr>
+          <a:xfrm>
+            <a:off x="6474112" y="36809"/>
+            <a:ext cx="3156289" cy="3297423"/>
+          </a:xfrm>
+          <a:prstGeom prst="rect">
+            <a:avLst/>
+          </a:prstGeom>
+        </p:spPr>
+      </p:pic>
+      <p:sp>
+        <p:nvSpPr>
+          <p:cNvPr id="8" name="תיבת טקסט 7">
+            <a:extLst>
+              <a:ext uri="{FF2B5EF4-FFF2-40B4-BE49-F238E27FC236}">
+                <a16:creationId xmlns:a16="http://schemas.microsoft.com/office/drawing/2014/main" id="{78E2F1D0-D6FE-4097-5791-A37242229B17}"/>
+              </a:ext>
+            </a:extLst>
+          </p:cNvPr>
+          <p:cNvSpPr txBox="1"/>
+          <p:nvPr/>
+        </p:nvSpPr>
+        <p:spPr>
+          <a:xfrm>
+            <a:off x="1402823" y="331530"/>
+            <a:ext cx="1999672" cy="769441"/>
+          </a:xfrm>
+          <a:prstGeom prst="rect">
+            <a:avLst/>
+          </a:prstGeom>
+          <a:noFill/>
+        </p:spPr>
+        <p:txBody>
+          <a:bodyPr wrap="square" rtlCol="1">
+            <a:spAutoFit/>
+          </a:bodyPr>
+          <a:lstStyle/>
+          <a:p>
+            <a:pPr algn="l"/>
+            <a:r>
+              <a:rPr lang="en-US" sz="2800" dirty="0"/>
+              <a:t>  </a:t>
+            </a:r>
+            <a:r>
+              <a:rPr lang="en-US" sz="4400" dirty="0"/>
+              <a:t>Wiring</a:t>
+            </a:r>
+            <a:endParaRPr lang="he-IL" sz="2800" dirty="0"/>
+          </a:p>
+        </p:txBody>
+      </p:sp>
+      <p:cxnSp>
+        <p:nvCxnSpPr>
+          <p:cNvPr id="10" name="מחבר: מרפקי 9">
+            <a:extLst>
+              <a:ext uri="{FF2B5EF4-FFF2-40B4-BE49-F238E27FC236}">
+                <a16:creationId xmlns:a16="http://schemas.microsoft.com/office/drawing/2014/main" id="{45796C2E-482A-32DD-D2E6-838266E8A11F}"/>
+              </a:ext>
+            </a:extLst>
+          </p:cNvPr>
+          <p:cNvCxnSpPr/>
+          <p:nvPr/>
+        </p:nvCxnSpPr>
+        <p:spPr>
+          <a:xfrm rot="5400000" flipH="1" flipV="1">
+            <a:off x="6064493" y="2993047"/>
+            <a:ext cx="4396103" cy="1785668"/>
+          </a:xfrm>
+          <a:prstGeom prst="bentConnector3">
+            <a:avLst>
+              <a:gd name="adj1" fmla="val 34053"/>
+            </a:avLst>
+          </a:prstGeom>
+          <a:ln w="38100">
+            <a:solidFill>
+              <a:srgbClr val="FF0000"/>
+            </a:solidFill>
+          </a:ln>
+        </p:spPr>
+        <p:style>
+          <a:lnRef idx="1">
+            <a:schemeClr val="accent1"/>
+          </a:lnRef>
+          <a:fillRef idx="0">
+            <a:schemeClr val="accent1"/>
+          </a:fillRef>
+          <a:effectRef idx="0">
+            <a:schemeClr val="accent1"/>
+          </a:effectRef>
+          <a:fontRef idx="minor">
+            <a:schemeClr val="tx1"/>
+          </a:fontRef>
+        </p:style>
+      </p:cxnSp>
+      <p:cxnSp>
+        <p:nvCxnSpPr>
+          <p:cNvPr id="11" name="מחבר: מרפקי 10">
+            <a:extLst>
+              <a:ext uri="{FF2B5EF4-FFF2-40B4-BE49-F238E27FC236}">
+                <a16:creationId xmlns:a16="http://schemas.microsoft.com/office/drawing/2014/main" id="{715D2DCD-CD27-E7EC-7B80-CEE8CB349F2C}"/>
+              </a:ext>
+            </a:extLst>
+          </p:cNvPr>
+          <p:cNvCxnSpPr>
+            <a:cxnSpLocks/>
+          </p:cNvCxnSpPr>
+          <p:nvPr/>
+        </p:nvCxnSpPr>
+        <p:spPr>
+          <a:xfrm rot="5400000" flipH="1" flipV="1">
+            <a:off x="6714742" y="3410825"/>
+            <a:ext cx="3495549" cy="1846053"/>
+          </a:xfrm>
+          <a:prstGeom prst="bentConnector3">
+            <a:avLst>
+              <a:gd name="adj1" fmla="val 37842"/>
+            </a:avLst>
+          </a:prstGeom>
+          <a:ln w="38100">
+            <a:solidFill>
+              <a:srgbClr val="FF0000"/>
+            </a:solidFill>
+          </a:ln>
+        </p:spPr>
+        <p:style>
+          <a:lnRef idx="1">
+            <a:schemeClr val="accent1"/>
+          </a:lnRef>
+          <a:fillRef idx="0">
+            <a:schemeClr val="accent1"/>
+          </a:fillRef>
+          <a:effectRef idx="0">
+            <a:schemeClr val="accent1"/>
+          </a:effectRef>
+          <a:fontRef idx="minor">
+            <a:schemeClr val="tx1"/>
+          </a:fontRef>
+        </p:style>
+      </p:cxnSp>
+      <p:sp>
+        <p:nvSpPr>
+          <p:cNvPr id="15" name="תיבת טקסט 14">
+            <a:extLst>
+              <a:ext uri="{FF2B5EF4-FFF2-40B4-BE49-F238E27FC236}">
+                <a16:creationId xmlns:a16="http://schemas.microsoft.com/office/drawing/2014/main" id="{2183A9FC-3806-AE21-DF99-FBEFDB49D07A}"/>
+              </a:ext>
+            </a:extLst>
+          </p:cNvPr>
+          <p:cNvSpPr txBox="1"/>
+          <p:nvPr/>
+        </p:nvSpPr>
+        <p:spPr>
+          <a:xfrm>
+            <a:off x="8484236" y="1484028"/>
+            <a:ext cx="679615" cy="369332"/>
+          </a:xfrm>
+          <a:prstGeom prst="rect">
+            <a:avLst/>
+          </a:prstGeom>
+          <a:noFill/>
+        </p:spPr>
+        <p:txBody>
+          <a:bodyPr wrap="square" rtlCol="1">
+            <a:spAutoFit/>
+          </a:bodyPr>
+          <a:lstStyle/>
+          <a:p>
+            <a:r>
+              <a:rPr lang="en-US" dirty="0">
+                <a:highlight>
+                  <a:srgbClr val="FFFF00"/>
+                </a:highlight>
+              </a:rPr>
+              <a:t>PIN7</a:t>
+            </a:r>
+            <a:endParaRPr lang="he-IL" dirty="0">
+              <a:highlight>
+                <a:srgbClr val="FFFF00"/>
+              </a:highlight>
+            </a:endParaRPr>
+          </a:p>
+        </p:txBody>
+      </p:sp>
+      <p:sp>
+        <p:nvSpPr>
+          <p:cNvPr id="16" name="תיבת טקסט 15">
+            <a:extLst>
+              <a:ext uri="{FF2B5EF4-FFF2-40B4-BE49-F238E27FC236}">
+                <a16:creationId xmlns:a16="http://schemas.microsoft.com/office/drawing/2014/main" id="{75A4C5E7-9716-443B-06D5-3E69BED09F6E}"/>
+              </a:ext>
+            </a:extLst>
+          </p:cNvPr>
+          <p:cNvSpPr txBox="1"/>
+          <p:nvPr/>
+        </p:nvSpPr>
+        <p:spPr>
+          <a:xfrm>
+            <a:off x="9463125" y="2401411"/>
+            <a:ext cx="679615" cy="369332"/>
+          </a:xfrm>
+          <a:prstGeom prst="rect">
+            <a:avLst/>
+          </a:prstGeom>
+          <a:noFill/>
+        </p:spPr>
+        <p:txBody>
+          <a:bodyPr wrap="square" rtlCol="1">
+            <a:spAutoFit/>
+          </a:bodyPr>
+          <a:lstStyle/>
+          <a:p>
+            <a:r>
+              <a:rPr lang="en-US" dirty="0">
+                <a:highlight>
+                  <a:srgbClr val="FFFF00"/>
+                </a:highlight>
+              </a:rPr>
+              <a:t>PIN2</a:t>
+            </a:r>
+            <a:endParaRPr lang="he-IL" dirty="0">
+              <a:highlight>
+                <a:srgbClr val="FFFF00"/>
+              </a:highlight>
+            </a:endParaRPr>
+          </a:p>
+        </p:txBody>
+      </p:sp>
+      <p:sp>
+        <p:nvSpPr>
+          <p:cNvPr id="17" name="תיבת טקסט 16">
+            <a:extLst>
+              <a:ext uri="{FF2B5EF4-FFF2-40B4-BE49-F238E27FC236}">
+                <a16:creationId xmlns:a16="http://schemas.microsoft.com/office/drawing/2014/main" id="{FB8DA8F2-5D8A-B799-8D29-09191E25979E}"/>
+              </a:ext>
+            </a:extLst>
+          </p:cNvPr>
+          <p:cNvSpPr txBox="1"/>
+          <p:nvPr/>
+        </p:nvSpPr>
+        <p:spPr>
+          <a:xfrm>
+            <a:off x="6859875" y="6139394"/>
+            <a:ext cx="679615" cy="369332"/>
+          </a:xfrm>
+          <a:prstGeom prst="rect">
+            <a:avLst/>
+          </a:prstGeom>
+          <a:noFill/>
+        </p:spPr>
+        <p:txBody>
+          <a:bodyPr wrap="square" rtlCol="1">
+            <a:spAutoFit/>
+          </a:bodyPr>
+          <a:lstStyle/>
+          <a:p>
+            <a:r>
+              <a:rPr lang="en-US" dirty="0">
+                <a:highlight>
+                  <a:srgbClr val="FFFF00"/>
+                </a:highlight>
+              </a:rPr>
+              <a:t>RX2</a:t>
+            </a:r>
+            <a:endParaRPr lang="he-IL" dirty="0">
+              <a:highlight>
+                <a:srgbClr val="FFFF00"/>
+              </a:highlight>
+            </a:endParaRPr>
+          </a:p>
+        </p:txBody>
+      </p:sp>
+      <p:sp>
+        <p:nvSpPr>
+          <p:cNvPr id="18" name="תיבת טקסט 17">
+            <a:extLst>
+              <a:ext uri="{FF2B5EF4-FFF2-40B4-BE49-F238E27FC236}">
+                <a16:creationId xmlns:a16="http://schemas.microsoft.com/office/drawing/2014/main" id="{EC219BF0-1FA8-479C-9B57-616F92F9B678}"/>
+              </a:ext>
+            </a:extLst>
+          </p:cNvPr>
+          <p:cNvSpPr txBox="1"/>
+          <p:nvPr/>
+        </p:nvSpPr>
+        <p:spPr>
+          <a:xfrm>
+            <a:off x="7366958" y="6139394"/>
+            <a:ext cx="571748" cy="369332"/>
+          </a:xfrm>
+          <a:prstGeom prst="rect">
+            <a:avLst/>
+          </a:prstGeom>
+          <a:noFill/>
+        </p:spPr>
+        <p:txBody>
+          <a:bodyPr wrap="square" rtlCol="1">
+            <a:spAutoFit/>
+          </a:bodyPr>
+          <a:lstStyle/>
+          <a:p>
+            <a:r>
+              <a:rPr lang="en-US" dirty="0">
+                <a:highlight>
+                  <a:srgbClr val="FFFF00"/>
+                </a:highlight>
+              </a:rPr>
+              <a:t>TX2</a:t>
+            </a:r>
+            <a:endParaRPr lang="he-IL" dirty="0">
+              <a:highlight>
+                <a:srgbClr val="FFFF00"/>
+              </a:highlight>
+            </a:endParaRPr>
+          </a:p>
+        </p:txBody>
+      </p:sp>
+      <p:cxnSp>
+        <p:nvCxnSpPr>
+          <p:cNvPr id="34" name="מחבר: מרפקי 33">
+            <a:extLst>
+              <a:ext uri="{FF2B5EF4-FFF2-40B4-BE49-F238E27FC236}">
+                <a16:creationId xmlns:a16="http://schemas.microsoft.com/office/drawing/2014/main" id="{070707F4-FEB4-D371-CF26-109E49DF6708}"/>
+              </a:ext>
+            </a:extLst>
+          </p:cNvPr>
+          <p:cNvCxnSpPr>
+            <a:cxnSpLocks/>
+          </p:cNvCxnSpPr>
+          <p:nvPr/>
+        </p:nvCxnSpPr>
+        <p:spPr>
+          <a:xfrm flipV="1">
+            <a:off x="3198570" y="1176800"/>
+            <a:ext cx="6186973" cy="1916460"/>
+          </a:xfrm>
+          <a:prstGeom prst="bentConnector3">
+            <a:avLst/>
+          </a:prstGeom>
+          <a:ln w="38100">
+            <a:solidFill>
+              <a:srgbClr val="002060"/>
+            </a:solidFill>
+          </a:ln>
+        </p:spPr>
+        <p:style>
+          <a:lnRef idx="1">
+            <a:schemeClr val="accent1"/>
+          </a:lnRef>
+          <a:fillRef idx="0">
+            <a:schemeClr val="accent1"/>
+          </a:fillRef>
+          <a:effectRef idx="0">
+            <a:schemeClr val="accent1"/>
+          </a:effectRef>
+          <a:fontRef idx="minor">
+            <a:schemeClr val="tx1"/>
+          </a:fontRef>
+        </p:style>
+      </p:cxnSp>
+      <p:cxnSp>
+        <p:nvCxnSpPr>
+          <p:cNvPr id="36" name="מחבר: מרפקי 35">
+            <a:extLst>
+              <a:ext uri="{FF2B5EF4-FFF2-40B4-BE49-F238E27FC236}">
+                <a16:creationId xmlns:a16="http://schemas.microsoft.com/office/drawing/2014/main" id="{23D4E4B8-BDE9-0044-6EEB-617DB8B5B249}"/>
+              </a:ext>
+            </a:extLst>
+          </p:cNvPr>
+          <p:cNvCxnSpPr>
+            <a:cxnSpLocks/>
+          </p:cNvCxnSpPr>
+          <p:nvPr/>
+        </p:nvCxnSpPr>
+        <p:spPr>
+          <a:xfrm flipV="1">
+            <a:off x="3198570" y="939186"/>
+            <a:ext cx="6186973" cy="1704562"/>
+          </a:xfrm>
+          <a:prstGeom prst="bentConnector3">
+            <a:avLst>
+              <a:gd name="adj1" fmla="val 42889"/>
+            </a:avLst>
+          </a:prstGeom>
+          <a:ln w="38100">
+            <a:solidFill>
+              <a:srgbClr val="002060"/>
+            </a:solidFill>
+          </a:ln>
+        </p:spPr>
+        <p:style>
+          <a:lnRef idx="1">
+            <a:schemeClr val="accent1"/>
+          </a:lnRef>
+          <a:fillRef idx="0">
+            <a:schemeClr val="accent1"/>
+          </a:fillRef>
+          <a:effectRef idx="0">
+            <a:schemeClr val="accent1"/>
+          </a:effectRef>
+          <a:fontRef idx="minor">
+            <a:schemeClr val="tx1"/>
+          </a:fontRef>
+        </p:style>
+      </p:cxnSp>
+      <p:cxnSp>
+        <p:nvCxnSpPr>
+          <p:cNvPr id="40" name="מחבר: מרפקי 39">
+            <a:extLst>
+              <a:ext uri="{FF2B5EF4-FFF2-40B4-BE49-F238E27FC236}">
+                <a16:creationId xmlns:a16="http://schemas.microsoft.com/office/drawing/2014/main" id="{8426969C-409D-B0D7-5E44-2FAD5156D4D6}"/>
+              </a:ext>
+            </a:extLst>
+          </p:cNvPr>
+          <p:cNvCxnSpPr>
+            <a:cxnSpLocks/>
+            <a:stCxn id="76" idx="2"/>
+            <a:endCxn id="73" idx="1"/>
+          </p:cNvCxnSpPr>
+          <p:nvPr/>
+        </p:nvCxnSpPr>
+        <p:spPr>
+          <a:xfrm rot="16200000" flipV="1">
+            <a:off x="3984487" y="954854"/>
+            <a:ext cx="733870" cy="6024123"/>
+          </a:xfrm>
+          <a:prstGeom prst="bentConnector4">
+            <a:avLst>
+              <a:gd name="adj1" fmla="val 122943"/>
+              <a:gd name="adj2" fmla="val 103795"/>
+            </a:avLst>
+          </a:prstGeom>
+          <a:ln w="38100">
+            <a:solidFill>
+              <a:schemeClr val="accent6">
+                <a:lumMod val="60000"/>
+                <a:lumOff val="40000"/>
+              </a:schemeClr>
+            </a:solidFill>
+          </a:ln>
+        </p:spPr>
+        <p:style>
+          <a:lnRef idx="1">
+            <a:schemeClr val="accent1"/>
+          </a:lnRef>
+          <a:fillRef idx="0">
+            <a:schemeClr val="accent1"/>
+          </a:fillRef>
+          <a:effectRef idx="0">
+            <a:schemeClr val="accent1"/>
+          </a:effectRef>
+          <a:fontRef idx="minor">
+            <a:schemeClr val="tx1"/>
+          </a:fontRef>
+        </p:style>
+      </p:cxnSp>
+      <p:sp>
+        <p:nvSpPr>
+          <p:cNvPr id="63" name="מלבן 62">
+            <a:extLst>
+              <a:ext uri="{FF2B5EF4-FFF2-40B4-BE49-F238E27FC236}">
+                <a16:creationId xmlns:a16="http://schemas.microsoft.com/office/drawing/2014/main" id="{4942367C-54A3-6412-347E-19B384A7DC99}"/>
+              </a:ext>
+            </a:extLst>
+          </p:cNvPr>
+          <p:cNvSpPr/>
+          <p:nvPr/>
+        </p:nvSpPr>
+        <p:spPr>
+          <a:xfrm flipV="1">
+            <a:off x="6997530" y="6060807"/>
+            <a:ext cx="45719" cy="45719"/>
+          </a:xfrm>
+          <a:prstGeom prst="rect">
+            <a:avLst/>
+          </a:prstGeom>
+        </p:spPr>
+        <p:style>
+          <a:lnRef idx="2">
+            <a:schemeClr val="accent1">
+              <a:shade val="50000"/>
+            </a:schemeClr>
+          </a:lnRef>
+          <a:fillRef idx="1">
+            <a:schemeClr val="accent1"/>
+          </a:fillRef>
+          <a:effectRef idx="0">
+            <a:schemeClr val="accent1"/>
+          </a:effectRef>
+          <a:fontRef idx="minor">
+            <a:schemeClr val="lt1"/>
+          </a:fontRef>
+        </p:style>
+        <p:txBody>
+          <a:bodyPr rtlCol="1" anchor="ctr"/>
+          <a:lstStyle/>
+          <a:p>
+            <a:pPr algn="ctr"/>
+            <a:endParaRPr lang="he-IL"/>
+          </a:p>
+        </p:txBody>
+      </p:sp>
+      <p:sp>
+        <p:nvSpPr>
+          <p:cNvPr id="64" name="מלבן 63">
+            <a:extLst>
+              <a:ext uri="{FF2B5EF4-FFF2-40B4-BE49-F238E27FC236}">
+                <a16:creationId xmlns:a16="http://schemas.microsoft.com/office/drawing/2014/main" id="{D1A66118-8427-7D3F-2811-9D1F5024F52A}"/>
+              </a:ext>
+            </a:extLst>
+          </p:cNvPr>
+          <p:cNvSpPr/>
+          <p:nvPr/>
+        </p:nvSpPr>
+        <p:spPr>
+          <a:xfrm flipV="1">
+            <a:off x="6821522" y="6058764"/>
+            <a:ext cx="45719" cy="45719"/>
+          </a:xfrm>
+          <a:prstGeom prst="rect">
+            <a:avLst/>
+          </a:prstGeom>
+        </p:spPr>
+        <p:style>
+          <a:lnRef idx="2">
+            <a:schemeClr val="accent1">
+              <a:shade val="50000"/>
+            </a:schemeClr>
+          </a:lnRef>
+          <a:fillRef idx="1">
+            <a:schemeClr val="accent1"/>
+          </a:fillRef>
+          <a:effectRef idx="0">
+            <a:schemeClr val="accent1"/>
+          </a:effectRef>
+          <a:fontRef idx="minor">
+            <a:schemeClr val="lt1"/>
+          </a:fontRef>
+        </p:style>
+        <p:txBody>
+          <a:bodyPr rtlCol="1" anchor="ctr"/>
+          <a:lstStyle/>
+          <a:p>
+            <a:pPr algn="ctr"/>
+            <a:endParaRPr lang="he-IL"/>
+          </a:p>
+        </p:txBody>
+      </p:sp>
+      <p:cxnSp>
+        <p:nvCxnSpPr>
+          <p:cNvPr id="20" name="מחבר: מרפקי 19">
+            <a:extLst>
+              <a:ext uri="{FF2B5EF4-FFF2-40B4-BE49-F238E27FC236}">
+                <a16:creationId xmlns:a16="http://schemas.microsoft.com/office/drawing/2014/main" id="{400354EF-5F49-6AAE-BC81-36CB1FE1AE76}"/>
+              </a:ext>
+            </a:extLst>
+          </p:cNvPr>
+          <p:cNvCxnSpPr>
+            <a:cxnSpLocks/>
+            <a:endCxn id="64" idx="0"/>
+          </p:cNvCxnSpPr>
+          <p:nvPr/>
+        </p:nvCxnSpPr>
+        <p:spPr>
+          <a:xfrm>
+            <a:off x="3303917" y="3553809"/>
+            <a:ext cx="3540465" cy="2550674"/>
+          </a:xfrm>
+          <a:prstGeom prst="bentConnector4">
+            <a:avLst>
+              <a:gd name="adj1" fmla="val 49677"/>
+              <a:gd name="adj2" fmla="val 106256"/>
+            </a:avLst>
+          </a:prstGeom>
+          <a:ln w="38100">
+            <a:solidFill>
+              <a:srgbClr val="FFC000"/>
+            </a:solidFill>
+          </a:ln>
+        </p:spPr>
+        <p:style>
+          <a:lnRef idx="1">
+            <a:schemeClr val="accent1"/>
+          </a:lnRef>
+          <a:fillRef idx="0">
+            <a:schemeClr val="accent1"/>
+          </a:fillRef>
+          <a:effectRef idx="0">
+            <a:schemeClr val="accent1"/>
+          </a:effectRef>
+          <a:fontRef idx="minor">
+            <a:schemeClr val="tx1"/>
+          </a:fontRef>
+        </p:style>
+      </p:cxnSp>
+      <p:cxnSp>
+        <p:nvCxnSpPr>
+          <p:cNvPr id="21" name="מחבר: מרפקי 20">
+            <a:extLst>
+              <a:ext uri="{FF2B5EF4-FFF2-40B4-BE49-F238E27FC236}">
+                <a16:creationId xmlns:a16="http://schemas.microsoft.com/office/drawing/2014/main" id="{8DA975EB-8256-660E-D9D3-73812833A9C0}"/>
+              </a:ext>
+            </a:extLst>
+          </p:cNvPr>
+          <p:cNvCxnSpPr>
+            <a:cxnSpLocks/>
+            <a:endCxn id="63" idx="0"/>
+          </p:cNvCxnSpPr>
+          <p:nvPr/>
+        </p:nvCxnSpPr>
+        <p:spPr>
+          <a:xfrm>
+            <a:off x="3303917" y="3927921"/>
+            <a:ext cx="3716473" cy="2178605"/>
+          </a:xfrm>
+          <a:prstGeom prst="bentConnector4">
+            <a:avLst>
+              <a:gd name="adj1" fmla="val 41104"/>
+              <a:gd name="adj2" fmla="val 114453"/>
+            </a:avLst>
+          </a:prstGeom>
+          <a:ln w="38100">
+            <a:solidFill>
+              <a:schemeClr val="accent2">
+                <a:lumMod val="75000"/>
+              </a:schemeClr>
+            </a:solidFill>
+          </a:ln>
+        </p:spPr>
+        <p:style>
+          <a:lnRef idx="1">
+            <a:schemeClr val="accent1"/>
+          </a:lnRef>
+          <a:fillRef idx="0">
+            <a:schemeClr val="accent1"/>
+          </a:fillRef>
+          <a:effectRef idx="0">
+            <a:schemeClr val="accent1"/>
+          </a:effectRef>
+          <a:fontRef idx="minor">
+            <a:schemeClr val="tx1"/>
+          </a:fontRef>
+        </p:style>
+      </p:cxnSp>
+      <p:sp>
+        <p:nvSpPr>
+          <p:cNvPr id="73" name="מלבן 72">
+            <a:extLst>
+              <a:ext uri="{FF2B5EF4-FFF2-40B4-BE49-F238E27FC236}">
+                <a16:creationId xmlns:a16="http://schemas.microsoft.com/office/drawing/2014/main" id="{F9470424-38CA-14F0-3CAB-F73628C6B9C7}"/>
+              </a:ext>
+            </a:extLst>
+          </p:cNvPr>
+          <p:cNvSpPr/>
+          <p:nvPr/>
+        </p:nvSpPr>
+        <p:spPr>
+          <a:xfrm flipV="1">
+            <a:off x="1339360" y="3577122"/>
+            <a:ext cx="45719" cy="45719"/>
+          </a:xfrm>
+          <a:prstGeom prst="rect">
+            <a:avLst/>
+          </a:prstGeom>
+        </p:spPr>
+        <p:style>
+          <a:lnRef idx="2">
+            <a:schemeClr val="accent1">
+              <a:shade val="50000"/>
+            </a:schemeClr>
+          </a:lnRef>
+          <a:fillRef idx="1">
+            <a:schemeClr val="accent1"/>
+          </a:fillRef>
+          <a:effectRef idx="0">
+            <a:schemeClr val="accent1"/>
+          </a:effectRef>
+          <a:fontRef idx="minor">
+            <a:schemeClr val="lt1"/>
+          </a:fontRef>
+        </p:style>
+        <p:txBody>
+          <a:bodyPr rtlCol="1" anchor="ctr"/>
+          <a:lstStyle/>
+          <a:p>
+            <a:pPr algn="ctr"/>
+            <a:endParaRPr lang="he-IL"/>
+          </a:p>
+        </p:txBody>
+      </p:sp>
+      <p:sp>
+        <p:nvSpPr>
+          <p:cNvPr id="76" name="מלבן 75">
+            <a:extLst>
+              <a:ext uri="{FF2B5EF4-FFF2-40B4-BE49-F238E27FC236}">
+                <a16:creationId xmlns:a16="http://schemas.microsoft.com/office/drawing/2014/main" id="{A3B2E015-ACBF-C5BA-E564-AD6A94086EEE}"/>
+              </a:ext>
+            </a:extLst>
+          </p:cNvPr>
+          <p:cNvSpPr/>
+          <p:nvPr/>
+        </p:nvSpPr>
+        <p:spPr>
+          <a:xfrm flipV="1">
+            <a:off x="7340623" y="4333851"/>
+            <a:ext cx="45719" cy="45719"/>
+          </a:xfrm>
+          <a:prstGeom prst="rect">
+            <a:avLst/>
+          </a:prstGeom>
+        </p:spPr>
+        <p:style>
+          <a:lnRef idx="2">
+            <a:schemeClr val="accent1">
+              <a:shade val="50000"/>
+            </a:schemeClr>
+          </a:lnRef>
+          <a:fillRef idx="1">
+            <a:schemeClr val="accent1"/>
+          </a:fillRef>
+          <a:effectRef idx="0">
+            <a:schemeClr val="accent1"/>
+          </a:effectRef>
+          <a:fontRef idx="minor">
+            <a:schemeClr val="lt1"/>
+          </a:fontRef>
+        </p:style>
+        <p:txBody>
+          <a:bodyPr rtlCol="1" anchor="ctr"/>
+          <a:lstStyle/>
+          <a:p>
+            <a:pPr algn="ctr"/>
+            <a:endParaRPr lang="he-IL"/>
+          </a:p>
+        </p:txBody>
+      </p:sp>
+      <p:sp>
+        <p:nvSpPr>
+          <p:cNvPr id="83" name="תיבת טקסט 82">
+            <a:extLst>
+              <a:ext uri="{FF2B5EF4-FFF2-40B4-BE49-F238E27FC236}">
+                <a16:creationId xmlns:a16="http://schemas.microsoft.com/office/drawing/2014/main" id="{91DBE40F-B07C-7C62-BEB4-3B77A95DB900}"/>
+              </a:ext>
+            </a:extLst>
+          </p:cNvPr>
+          <p:cNvSpPr txBox="1"/>
+          <p:nvPr/>
+        </p:nvSpPr>
+        <p:spPr>
+          <a:xfrm>
+            <a:off x="9385543" y="1074203"/>
+            <a:ext cx="679615" cy="369332"/>
+          </a:xfrm>
+          <a:prstGeom prst="rect">
+            <a:avLst/>
+          </a:prstGeom>
+          <a:noFill/>
+        </p:spPr>
+        <p:txBody>
+          <a:bodyPr wrap="square" rtlCol="1">
+            <a:spAutoFit/>
+          </a:bodyPr>
+          <a:lstStyle/>
+          <a:p>
+            <a:r>
+              <a:rPr lang="en-US" dirty="0">
+                <a:highlight>
+                  <a:srgbClr val="FFFF00"/>
+                </a:highlight>
+              </a:rPr>
+              <a:t>PIN3</a:t>
+            </a:r>
+            <a:endParaRPr lang="he-IL" dirty="0">
+              <a:highlight>
+                <a:srgbClr val="FFFF00"/>
+              </a:highlight>
+            </a:endParaRPr>
+          </a:p>
+        </p:txBody>
+      </p:sp>
+      <p:sp>
+        <p:nvSpPr>
+          <p:cNvPr id="84" name="תיבת טקסט 83">
+            <a:extLst>
+              <a:ext uri="{FF2B5EF4-FFF2-40B4-BE49-F238E27FC236}">
+                <a16:creationId xmlns:a16="http://schemas.microsoft.com/office/drawing/2014/main" id="{019DCF23-A5DD-0283-BB5D-F1746B45C4B8}"/>
+              </a:ext>
+            </a:extLst>
+          </p:cNvPr>
+          <p:cNvSpPr txBox="1"/>
+          <p:nvPr/>
+        </p:nvSpPr>
+        <p:spPr>
+          <a:xfrm>
+            <a:off x="9381370" y="789154"/>
+            <a:ext cx="679615" cy="369332"/>
+          </a:xfrm>
+          <a:prstGeom prst="rect">
+            <a:avLst/>
+          </a:prstGeom>
+          <a:noFill/>
+        </p:spPr>
+        <p:txBody>
+          <a:bodyPr wrap="square" rtlCol="1">
+            <a:spAutoFit/>
+          </a:bodyPr>
+          <a:lstStyle/>
+          <a:p>
+            <a:r>
+              <a:rPr lang="en-US" dirty="0">
+                <a:highlight>
+                  <a:srgbClr val="FFFF00"/>
+                </a:highlight>
+              </a:rPr>
+              <a:t>PIN2</a:t>
+            </a:r>
+            <a:endParaRPr lang="he-IL" dirty="0">
+              <a:highlight>
+                <a:srgbClr val="FFFF00"/>
+              </a:highlight>
+            </a:endParaRPr>
+          </a:p>
+        </p:txBody>
+      </p:sp>
+      <p:sp>
+        <p:nvSpPr>
+          <p:cNvPr id="85" name="תיבת טקסט 84">
+            <a:extLst>
+              <a:ext uri="{FF2B5EF4-FFF2-40B4-BE49-F238E27FC236}">
+                <a16:creationId xmlns:a16="http://schemas.microsoft.com/office/drawing/2014/main" id="{3F713980-1FF5-01A0-988B-6592F69A1FCF}"/>
+              </a:ext>
+            </a:extLst>
+          </p:cNvPr>
+          <p:cNvSpPr txBox="1"/>
+          <p:nvPr/>
+        </p:nvSpPr>
+        <p:spPr>
+          <a:xfrm>
+            <a:off x="1700451" y="4511159"/>
+            <a:ext cx="1999672" cy="400110"/>
+          </a:xfrm>
+          <a:prstGeom prst="rect">
+            <a:avLst/>
+          </a:prstGeom>
+          <a:noFill/>
+        </p:spPr>
+        <p:txBody>
+          <a:bodyPr wrap="square" rtlCol="1">
+            <a:spAutoFit/>
+          </a:bodyPr>
+          <a:lstStyle/>
+          <a:p>
+            <a:pPr algn="l"/>
+            <a:r>
+              <a:rPr lang="en-US" sz="2000" dirty="0"/>
+              <a:t>Mosfet 140c07</a:t>
+            </a:r>
+            <a:endParaRPr lang="he-IL" sz="1200" dirty="0"/>
+          </a:p>
+        </p:txBody>
+      </p:sp>
+      <p:sp>
+        <p:nvSpPr>
+          <p:cNvPr id="88" name="תיבת טקסט 87">
+            <a:extLst>
+              <a:ext uri="{FF2B5EF4-FFF2-40B4-BE49-F238E27FC236}">
+                <a16:creationId xmlns:a16="http://schemas.microsoft.com/office/drawing/2014/main" id="{481AA034-B561-6692-4648-5202F4ADEBB0}"/>
+              </a:ext>
+            </a:extLst>
+          </p:cNvPr>
+          <p:cNvSpPr txBox="1"/>
+          <p:nvPr/>
+        </p:nvSpPr>
+        <p:spPr>
+          <a:xfrm>
+            <a:off x="8044280" y="6188722"/>
+            <a:ext cx="2490370" cy="400110"/>
+          </a:xfrm>
+          <a:prstGeom prst="rect">
+            <a:avLst/>
+          </a:prstGeom>
+          <a:noFill/>
+        </p:spPr>
+        <p:txBody>
+          <a:bodyPr wrap="square" rtlCol="1">
+            <a:spAutoFit/>
+          </a:bodyPr>
+          <a:lstStyle/>
+          <a:p>
+            <a:pPr algn="l"/>
+            <a:r>
+              <a:rPr lang="en-US" sz="2000" dirty="0"/>
+              <a:t>Cube Cell AB02S (GPS)</a:t>
+            </a:r>
+            <a:endParaRPr lang="he-IL" sz="1200" dirty="0"/>
+          </a:p>
+        </p:txBody>
+      </p:sp>
+      <p:sp>
+        <p:nvSpPr>
+          <p:cNvPr id="89" name="תיבת טקסט 88">
+            <a:extLst>
+              <a:ext uri="{FF2B5EF4-FFF2-40B4-BE49-F238E27FC236}">
+                <a16:creationId xmlns:a16="http://schemas.microsoft.com/office/drawing/2014/main" id="{28C996B2-E433-63D6-74FA-4D5A4D1CF81F}"/>
+              </a:ext>
+            </a:extLst>
+          </p:cNvPr>
+          <p:cNvSpPr txBox="1"/>
+          <p:nvPr/>
+        </p:nvSpPr>
+        <p:spPr>
+          <a:xfrm>
+            <a:off x="4744511" y="148916"/>
+            <a:ext cx="1729601" cy="400110"/>
+          </a:xfrm>
+          <a:prstGeom prst="rect">
+            <a:avLst/>
+          </a:prstGeom>
+          <a:noFill/>
+        </p:spPr>
+        <p:txBody>
+          <a:bodyPr wrap="square" rtlCol="1">
+            <a:spAutoFit/>
+          </a:bodyPr>
+          <a:lstStyle/>
+          <a:p>
+            <a:pPr algn="l"/>
+            <a:r>
+              <a:rPr lang="en-US" sz="2000" dirty="0"/>
+              <a:t>Nanopi neo air</a:t>
+            </a:r>
+            <a:endParaRPr lang="he-IL" sz="1200" dirty="0"/>
+          </a:p>
+        </p:txBody>
+      </p:sp>
+    </p:spTree>
+    <p:extLst>
+      <p:ext uri="{BB962C8B-B14F-4D97-AF65-F5344CB8AC3E}">
+        <p14:creationId xmlns:p14="http://schemas.microsoft.com/office/powerpoint/2010/main" val="1842950111"/>
+      </p:ext>
+    </p:extLst>
+  </p:cSld>
+  <p:clrMapOvr>
+    <a:masterClrMapping/>
+  </p:clrMapOvr>
+</p:sld>
+</file>
+
 <file path=ppt/theme/theme1.xml><?xml version="1.0" encoding="utf-8"?>
 <a:theme xmlns:a="http://schemas.openxmlformats.org/drawingml/2006/main" name="ערכת נושא Office">
   <a:themeElements>
